--- a/figures/fig1.pptx
+++ b/figures/fig1.pptx
@@ -107,6 +107,11 @@
       </a:defRPr>
     </a:lvl9pPr>
   </p:defaultTextStyle>
+  <p:extLst>
+    <p:ext uri="{EFAFB233-063F-42B5-8137-9DF3F51BA10A}">
+      <p15:sldGuideLst xmlns:p15="http://schemas.microsoft.com/office/powerpoint/2012/main"/>
+    </p:ext>
+  </p:extLst>
 </p:presentation>
 </file>
 
@@ -192,7 +197,7 @@
           <a:p>
             <a:fld id="{9ACE09F1-CF67-D54C-B498-4EFC11FACCBB}" type="datetimeFigureOut">
               <a:rPr lang="en-US" smtClean="0"/>
-              <a:t>12/5/18</a:t>
+              <a:t>12/11/18</a:t>
             </a:fld>
             <a:endParaRPr lang="en-US"/>
           </a:p>
@@ -690,7 +695,7 @@
           <a:p>
             <a:fld id="{FC32DEB9-2BBB-3A4E-A8C0-79C1E9725591}" type="datetimeFigureOut">
               <a:rPr lang="en-US" smtClean="0"/>
-              <a:t>12/5/18</a:t>
+              <a:t>12/11/18</a:t>
             </a:fld>
             <a:endParaRPr lang="en-US"/>
           </a:p>
@@ -888,7 +893,7 @@
           <a:p>
             <a:fld id="{FC32DEB9-2BBB-3A4E-A8C0-79C1E9725591}" type="datetimeFigureOut">
               <a:rPr lang="en-US" smtClean="0"/>
-              <a:t>12/5/18</a:t>
+              <a:t>12/11/18</a:t>
             </a:fld>
             <a:endParaRPr lang="en-US"/>
           </a:p>
@@ -1096,7 +1101,7 @@
           <a:p>
             <a:fld id="{FC32DEB9-2BBB-3A4E-A8C0-79C1E9725591}" type="datetimeFigureOut">
               <a:rPr lang="en-US" smtClean="0"/>
-              <a:t>12/5/18</a:t>
+              <a:t>12/11/18</a:t>
             </a:fld>
             <a:endParaRPr lang="en-US"/>
           </a:p>
@@ -1294,7 +1299,7 @@
           <a:p>
             <a:fld id="{FC32DEB9-2BBB-3A4E-A8C0-79C1E9725591}" type="datetimeFigureOut">
               <a:rPr lang="en-US" smtClean="0"/>
-              <a:t>12/5/18</a:t>
+              <a:t>12/11/18</a:t>
             </a:fld>
             <a:endParaRPr lang="en-US"/>
           </a:p>
@@ -1569,7 +1574,7 @@
           <a:p>
             <a:fld id="{FC32DEB9-2BBB-3A4E-A8C0-79C1E9725591}" type="datetimeFigureOut">
               <a:rPr lang="en-US" smtClean="0"/>
-              <a:t>12/5/18</a:t>
+              <a:t>12/11/18</a:t>
             </a:fld>
             <a:endParaRPr lang="en-US"/>
           </a:p>
@@ -1834,7 +1839,7 @@
           <a:p>
             <a:fld id="{FC32DEB9-2BBB-3A4E-A8C0-79C1E9725591}" type="datetimeFigureOut">
               <a:rPr lang="en-US" smtClean="0"/>
-              <a:t>12/5/18</a:t>
+              <a:t>12/11/18</a:t>
             </a:fld>
             <a:endParaRPr lang="en-US"/>
           </a:p>
@@ -2246,7 +2251,7 @@
           <a:p>
             <a:fld id="{FC32DEB9-2BBB-3A4E-A8C0-79C1E9725591}" type="datetimeFigureOut">
               <a:rPr lang="en-US" smtClean="0"/>
-              <a:t>12/5/18</a:t>
+              <a:t>12/11/18</a:t>
             </a:fld>
             <a:endParaRPr lang="en-US"/>
           </a:p>
@@ -2387,7 +2392,7 @@
           <a:p>
             <a:fld id="{FC32DEB9-2BBB-3A4E-A8C0-79C1E9725591}" type="datetimeFigureOut">
               <a:rPr lang="en-US" smtClean="0"/>
-              <a:t>12/5/18</a:t>
+              <a:t>12/11/18</a:t>
             </a:fld>
             <a:endParaRPr lang="en-US"/>
           </a:p>
@@ -2500,7 +2505,7 @@
           <a:p>
             <a:fld id="{FC32DEB9-2BBB-3A4E-A8C0-79C1E9725591}" type="datetimeFigureOut">
               <a:rPr lang="en-US" smtClean="0"/>
-              <a:t>12/5/18</a:t>
+              <a:t>12/11/18</a:t>
             </a:fld>
             <a:endParaRPr lang="en-US"/>
           </a:p>
@@ -2811,7 +2816,7 @@
           <a:p>
             <a:fld id="{FC32DEB9-2BBB-3A4E-A8C0-79C1E9725591}" type="datetimeFigureOut">
               <a:rPr lang="en-US" smtClean="0"/>
-              <a:t>12/5/18</a:t>
+              <a:t>12/11/18</a:t>
             </a:fld>
             <a:endParaRPr lang="en-US"/>
           </a:p>
@@ -3099,7 +3104,7 @@
           <a:p>
             <a:fld id="{FC32DEB9-2BBB-3A4E-A8C0-79C1E9725591}" type="datetimeFigureOut">
               <a:rPr lang="en-US" smtClean="0"/>
-              <a:t>12/5/18</a:t>
+              <a:t>12/11/18</a:t>
             </a:fld>
             <a:endParaRPr lang="en-US"/>
           </a:p>
@@ -3340,7 +3345,7 @@
           <a:p>
             <a:fld id="{FC32DEB9-2BBB-3A4E-A8C0-79C1E9725591}" type="datetimeFigureOut">
               <a:rPr lang="en-US" smtClean="0"/>
-              <a:t>12/5/18</a:t>
+              <a:t>12/11/18</a:t>
             </a:fld>
             <a:endParaRPr lang="en-US"/>
           </a:p>
@@ -3759,10 +3764,10 @@
       </p:grpSpPr>
       <p:pic>
         <p:nvPicPr>
-          <p:cNvPr id="27" name="Picture 26">
-            <a:extLst>
-              <a:ext uri="{FF2B5EF4-FFF2-40B4-BE49-F238E27FC236}">
-                <a16:creationId xmlns:a16="http://schemas.microsoft.com/office/drawing/2014/main" id="{F8C0D9A0-5BD2-A54E-B76E-74568B68D3A4}"/>
+          <p:cNvPr id="7" name="Picture 6">
+            <a:extLst>
+              <a:ext uri="{FF2B5EF4-FFF2-40B4-BE49-F238E27FC236}">
+                <a16:creationId xmlns:a16="http://schemas.microsoft.com/office/drawing/2014/main" id="{BB829C43-5817-2848-8FF5-802C5DE6B20B}"/>
               </a:ext>
             </a:extLst>
           </p:cNvPr>
@@ -3773,6 +3778,66 @@
         </p:nvPicPr>
         <p:blipFill>
           <a:blip r:embed="rId3"/>
+          <a:stretch>
+            <a:fillRect/>
+          </a:stretch>
+        </p:blipFill>
+        <p:spPr>
+          <a:xfrm>
+            <a:off x="2238798" y="2965031"/>
+            <a:ext cx="3630226" cy="3630226"/>
+          </a:xfrm>
+          <a:prstGeom prst="rect">
+            <a:avLst/>
+          </a:prstGeom>
+        </p:spPr>
+      </p:pic>
+      <p:pic>
+        <p:nvPicPr>
+          <p:cNvPr id="3" name="Picture 2">
+            <a:extLst>
+              <a:ext uri="{FF2B5EF4-FFF2-40B4-BE49-F238E27FC236}">
+                <a16:creationId xmlns:a16="http://schemas.microsoft.com/office/drawing/2014/main" id="{1811292F-22BE-7F43-BD99-BBF609202A85}"/>
+              </a:ext>
+            </a:extLst>
+          </p:cNvPr>
+          <p:cNvPicPr>
+            <a:picLocks noChangeAspect="1"/>
+          </p:cNvPicPr>
+          <p:nvPr/>
+        </p:nvPicPr>
+        <p:blipFill>
+          <a:blip r:embed="rId4"/>
+          <a:stretch>
+            <a:fillRect/>
+          </a:stretch>
+        </p:blipFill>
+        <p:spPr>
+          <a:xfrm>
+            <a:off x="9011542" y="209591"/>
+            <a:ext cx="2789604" cy="2789604"/>
+          </a:xfrm>
+          <a:prstGeom prst="rect">
+            <a:avLst/>
+          </a:prstGeom>
+        </p:spPr>
+      </p:pic>
+      <p:pic>
+        <p:nvPicPr>
+          <p:cNvPr id="27" name="Picture 26">
+            <a:extLst>
+              <a:ext uri="{FF2B5EF4-FFF2-40B4-BE49-F238E27FC236}">
+                <a16:creationId xmlns:a16="http://schemas.microsoft.com/office/drawing/2014/main" id="{F8C0D9A0-5BD2-A54E-B76E-74568B68D3A4}"/>
+              </a:ext>
+            </a:extLst>
+          </p:cNvPr>
+          <p:cNvPicPr>
+            <a:picLocks noChangeAspect="1"/>
+          </p:cNvPicPr>
+          <p:nvPr/>
+        </p:nvPicPr>
+        <p:blipFill>
+          <a:blip r:embed="rId5"/>
           <a:stretch>
             <a:fillRect/>
           </a:stretch>
@@ -3802,7 +3867,7 @@
           <p:nvPr/>
         </p:nvPicPr>
         <p:blipFill>
-          <a:blip r:embed="rId4"/>
+          <a:blip r:embed="rId6"/>
           <a:stretch>
             <a:fillRect/>
           </a:stretch>
@@ -3832,7 +3897,7 @@
           <p:nvPr/>
         </p:nvPicPr>
         <p:blipFill>
-          <a:blip r:embed="rId5"/>
+          <a:blip r:embed="rId7"/>
           <a:stretch>
             <a:fillRect/>
           </a:stretch>
@@ -3847,36 +3912,6 @@
           </a:prstGeom>
         </p:spPr>
       </p:pic>
-      <p:pic>
-        <p:nvPicPr>
-          <p:cNvPr id="22" name="Picture 21">
-            <a:extLst>
-              <a:ext uri="{FF2B5EF4-FFF2-40B4-BE49-F238E27FC236}">
-                <a16:creationId xmlns:a16="http://schemas.microsoft.com/office/drawing/2014/main" id="{039BE390-8668-5D42-8B1B-6F96B8C98605}"/>
-              </a:ext>
-            </a:extLst>
-          </p:cNvPr>
-          <p:cNvPicPr>
-            <a:picLocks noChangeAspect="1"/>
-          </p:cNvPicPr>
-          <p:nvPr/>
-        </p:nvPicPr>
-        <p:blipFill>
-          <a:blip r:embed="rId6"/>
-          <a:stretch>
-            <a:fillRect/>
-          </a:stretch>
-        </p:blipFill>
-        <p:spPr>
-          <a:xfrm>
-            <a:off x="2388259" y="3143837"/>
-            <a:ext cx="3425433" cy="3389752"/>
-          </a:xfrm>
-          <a:prstGeom prst="rect">
-            <a:avLst/>
-          </a:prstGeom>
-        </p:spPr>
-      </p:pic>
       <p:sp>
         <p:nvSpPr>
           <p:cNvPr id="12" name="TextBox 11">
@@ -4158,7 +4193,7 @@
           <p:nvPr/>
         </p:nvPicPr>
         <p:blipFill>
-          <a:blip r:embed="rId7"/>
+          <a:blip r:embed="rId8"/>
           <a:stretch>
             <a:fillRect/>
           </a:stretch>
@@ -4188,7 +4223,7 @@
           <p:nvPr/>
         </p:nvPicPr>
         <p:blipFill>
-          <a:blip r:embed="rId8"/>
+          <a:blip r:embed="rId9"/>
           <a:stretch>
             <a:fillRect/>
           </a:stretch>
@@ -4205,40 +4240,10 @@
       </p:pic>
       <p:pic>
         <p:nvPicPr>
-          <p:cNvPr id="31" name="Picture 30">
-            <a:extLst>
-              <a:ext uri="{FF2B5EF4-FFF2-40B4-BE49-F238E27FC236}">
-                <a16:creationId xmlns:a16="http://schemas.microsoft.com/office/drawing/2014/main" id="{23426DDC-45E8-7A48-82EA-39136754473B}"/>
-              </a:ext>
-            </a:extLst>
-          </p:cNvPr>
-          <p:cNvPicPr>
-            <a:picLocks noChangeAspect="1"/>
-          </p:cNvPicPr>
-          <p:nvPr/>
-        </p:nvPicPr>
-        <p:blipFill>
-          <a:blip r:embed="rId9"/>
-          <a:stretch>
-            <a:fillRect/>
-          </a:stretch>
-        </p:blipFill>
-        <p:spPr>
-          <a:xfrm>
-            <a:off x="5999188" y="205929"/>
-            <a:ext cx="2722440" cy="2684889"/>
-          </a:xfrm>
-          <a:prstGeom prst="rect">
-            <a:avLst/>
-          </a:prstGeom>
-        </p:spPr>
-      </p:pic>
-      <p:pic>
-        <p:nvPicPr>
-          <p:cNvPr id="32" name="Picture 31">
-            <a:extLst>
-              <a:ext uri="{FF2B5EF4-FFF2-40B4-BE49-F238E27FC236}">
-                <a16:creationId xmlns:a16="http://schemas.microsoft.com/office/drawing/2014/main" id="{634396BA-0B19-4C46-82BF-08634EEFE20F}"/>
+          <p:cNvPr id="5" name="Picture 4">
+            <a:extLst>
+              <a:ext uri="{FF2B5EF4-FFF2-40B4-BE49-F238E27FC236}">
+                <a16:creationId xmlns:a16="http://schemas.microsoft.com/office/drawing/2014/main" id="{0B8EE6BB-713E-6D47-8A5A-F30A6EA463F0}"/>
               </a:ext>
             </a:extLst>
           </p:cNvPr>
@@ -4255,8 +4260,8 @@
         </p:blipFill>
         <p:spPr>
           <a:xfrm>
-            <a:off x="9096375" y="205929"/>
-            <a:ext cx="2624424" cy="2668532"/>
+            <a:off x="6002316" y="214276"/>
+            <a:ext cx="2789604" cy="2789604"/>
           </a:xfrm>
           <a:prstGeom prst="rect">
             <a:avLst/>
